--- a/2023/SOLEIL_May_2023/Day2_Wednesday_May_10th/3_Components/McXtrace_component_and_instrument_concepts.pptx
+++ b/2023/SOLEIL_May_2023/Day2_Wednesday_May_10th/3_Components/McXtrace_component_and_instrument_concepts.pptx
@@ -9381,7 +9381,7 @@
         <p:spPr>
           <a:xfrm>
             <a:off x="-1" y="6351737"/>
-            <a:ext cx="10082596" cy="261964"/>
+            <a:ext cx="10082595" cy="261964"/>
           </a:xfrm>
           <a:prstGeom prst="rect">
             <a:avLst/>
@@ -9419,7 +9419,7 @@
         <p:spPr>
           <a:xfrm>
             <a:off x="-1" y="942799"/>
-            <a:ext cx="10082596" cy="41677"/>
+            <a:ext cx="10082595" cy="41677"/>
           </a:xfrm>
           <a:prstGeom prst="rect">
             <a:avLst/>
@@ -9459,7 +9459,7 @@
         <p:spPr>
           <a:xfrm>
             <a:off x="1467526" y="1295165"/>
-            <a:ext cx="7700431" cy="804343"/>
+            <a:ext cx="7700431" cy="804342"/>
           </a:xfrm>
           <a:prstGeom prst="rect">
             <a:avLst/>
@@ -9689,7 +9689,7 @@
         <p:grpSpPr>
           <a:xfrm>
             <a:off x="64796" y="1745290"/>
-            <a:ext cx="1246089" cy="4823757"/>
+            <a:ext cx="1246089" cy="4823756"/>
             <a:chOff x="0" y="0"/>
             <a:chExt cx="1246088" cy="4823755"/>
           </a:xfrm>
@@ -10558,7 +10558,7 @@
         <p:spPr>
           <a:xfrm>
             <a:off x="9686834" y="6354983"/>
-            <a:ext cx="392784" cy="261857"/>
+            <a:ext cx="392785" cy="261857"/>
           </a:xfrm>
           <a:prstGeom prst="rect">
             <a:avLst/>
@@ -11089,7 +11089,7 @@
         <p:spPr>
           <a:xfrm>
             <a:off x="-1" y="6351737"/>
-            <a:ext cx="10082596" cy="261964"/>
+            <a:ext cx="10082595" cy="261964"/>
           </a:xfrm>
           <a:prstGeom prst="rect">
             <a:avLst/>
@@ -11127,7 +11127,7 @@
         <p:spPr>
           <a:xfrm>
             <a:off x="-1" y="942799"/>
-            <a:ext cx="10082596" cy="41677"/>
+            <a:ext cx="10082595" cy="41677"/>
           </a:xfrm>
           <a:prstGeom prst="rect">
             <a:avLst/>
@@ -11167,7 +11167,7 @@
         <p:spPr>
           <a:xfrm>
             <a:off x="1467526" y="1295165"/>
-            <a:ext cx="7700431" cy="804343"/>
+            <a:ext cx="7700431" cy="804342"/>
           </a:xfrm>
           <a:prstGeom prst="rect">
             <a:avLst/>
@@ -11201,7 +11201,7 @@
         <p:spPr>
           <a:xfrm>
             <a:off x="1467587" y="2353826"/>
-            <a:ext cx="7700431" cy="3758754"/>
+            <a:ext cx="7700432" cy="3758754"/>
           </a:xfrm>
           <a:prstGeom prst="rect">
             <a:avLst/>
@@ -11499,7 +11499,7 @@
         <p:grpSpPr>
           <a:xfrm>
             <a:off x="64796" y="1745290"/>
-            <a:ext cx="1246089" cy="4823757"/>
+            <a:ext cx="1246089" cy="4823756"/>
             <a:chOff x="0" y="0"/>
             <a:chExt cx="1246088" cy="4823755"/>
           </a:xfrm>
@@ -12368,7 +12368,7 @@
         <p:spPr>
           <a:xfrm>
             <a:off x="9686834" y="6354983"/>
-            <a:ext cx="392784" cy="261857"/>
+            <a:ext cx="392785" cy="261857"/>
           </a:xfrm>
           <a:prstGeom prst="rect">
             <a:avLst/>
@@ -22525,9 +22525,9 @@
         <p:grpSpPr>
           <a:xfrm>
             <a:off x="6092432" y="2983382"/>
-            <a:ext cx="2293029" cy="2579306"/>
+            <a:ext cx="1204996" cy="1531259"/>
             <a:chOff x="0" y="0"/>
-            <a:chExt cx="2293027" cy="2579305"/>
+            <a:chExt cx="1204994" cy="1531257"/>
           </a:xfrm>
         </p:grpSpPr>
         <p:sp>
@@ -22890,15 +22890,15 @@
         <p:sp>
           <p:nvSpPr>
             <p:cNvPr id="573" name="x´"/>
-            <p:cNvSpPr/>
+            <p:cNvSpPr txBox="1"/>
             <p:nvPr/>
           </p:nvSpPr>
           <p:spPr>
             <a:xfrm>
               <a:off x="752003" y="603458"/>
-              <a:ext cx="1270001" cy="1270001"/>
+              <a:ext cx="181968" cy="221954"/>
             </a:xfrm>
-            <a:prstGeom prst="line">
+            <a:prstGeom prst="rect">
               <a:avLst/>
             </a:prstGeom>
             <a:noFill/>
@@ -22936,15 +22936,15 @@
         <p:sp>
           <p:nvSpPr>
             <p:cNvPr id="574" name="y´"/>
-            <p:cNvSpPr/>
+            <p:cNvSpPr txBox="1"/>
             <p:nvPr/>
           </p:nvSpPr>
           <p:spPr>
             <a:xfrm>
               <a:off x="0" y="0"/>
-              <a:ext cx="1270000" cy="1270000"/>
+              <a:ext cx="181968" cy="221953"/>
             </a:xfrm>
-            <a:prstGeom prst="line">
+            <a:prstGeom prst="rect">
               <a:avLst/>
             </a:prstGeom>
             <a:noFill/>
@@ -22982,15 +22982,15 @@
         <p:sp>
           <p:nvSpPr>
             <p:cNvPr id="575" name="z’"/>
-            <p:cNvSpPr/>
+            <p:cNvSpPr txBox="1"/>
             <p:nvPr/>
           </p:nvSpPr>
           <p:spPr>
             <a:xfrm>
               <a:off x="893554" y="1309305"/>
-              <a:ext cx="1270001" cy="1270001"/>
+              <a:ext cx="159446" cy="221953"/>
             </a:xfrm>
-            <a:prstGeom prst="line">
+            <a:prstGeom prst="rect">
               <a:avLst/>
             </a:prstGeom>
             <a:noFill/>
@@ -23074,15 +23074,15 @@
         <p:sp>
           <p:nvSpPr>
             <p:cNvPr id="577" name="x”"/>
-            <p:cNvSpPr/>
+            <p:cNvSpPr txBox="1"/>
             <p:nvPr/>
           </p:nvSpPr>
           <p:spPr>
             <a:xfrm>
               <a:off x="586080" y="483477"/>
-              <a:ext cx="1270001" cy="1270001"/>
+              <a:ext cx="181968" cy="221953"/>
             </a:xfrm>
-            <a:prstGeom prst="line">
+            <a:prstGeom prst="rect">
               <a:avLst/>
             </a:prstGeom>
             <a:noFill/>
@@ -23120,15 +23120,15 @@
         <p:sp>
           <p:nvSpPr>
             <p:cNvPr id="578" name="z”"/>
-            <p:cNvSpPr/>
+            <p:cNvSpPr txBox="1"/>
             <p:nvPr/>
           </p:nvSpPr>
           <p:spPr>
             <a:xfrm>
               <a:off x="1023027" y="882312"/>
-              <a:ext cx="1270001" cy="1270001"/>
+              <a:ext cx="181968" cy="221953"/>
             </a:xfrm>
-            <a:prstGeom prst="line">
+            <a:prstGeom prst="rect">
               <a:avLst/>
             </a:prstGeom>
             <a:noFill/>
@@ -28143,7 +28143,7 @@
           <a:xfrm>
             <a:off x="8965202" y="3165083"/>
             <a:ext cx="256014" cy="964411"/>
-            <a:chOff x="0" y="8857"/>
+            <a:chOff x="0" y="0"/>
             <a:chExt cx="256013" cy="964409"/>
           </a:xfrm>
         </p:grpSpPr>
@@ -28155,7 +28155,7 @@
           </p:nvSpPr>
           <p:spPr>
             <a:xfrm flipV="1">
-              <a:off x="10436" y="8857"/>
+              <a:off x="10436" y="0"/>
               <a:ext cx="1" cy="741687"/>
             </a:xfrm>
             <a:prstGeom prst="line">
@@ -28200,8 +28200,8 @@
           </p:nvSpPr>
           <p:spPr>
             <a:xfrm flipV="1">
-              <a:off x="250474" y="231580"/>
-              <a:ext cx="1" cy="741688"/>
+              <a:off x="250474" y="222723"/>
+              <a:ext cx="1" cy="741687"/>
             </a:xfrm>
             <a:prstGeom prst="line">
               <a:avLst/>
@@ -28245,8 +28245,8 @@
           </p:nvSpPr>
           <p:spPr>
             <a:xfrm flipH="1" flipV="1">
-              <a:off x="-1" y="8857"/>
-              <a:ext cx="245578" cy="227863"/>
+              <a:off x="-1" y="-1"/>
+              <a:ext cx="245578" cy="227864"/>
             </a:xfrm>
             <a:prstGeom prst="line">
               <a:avLst/>
@@ -28290,7 +28290,7 @@
           </p:nvSpPr>
           <p:spPr>
             <a:xfrm flipH="1" flipV="1">
-              <a:off x="10436" y="744812"/>
+              <a:off x="10436" y="735955"/>
               <a:ext cx="245578" cy="227863"/>
             </a:xfrm>
             <a:prstGeom prst="line">
@@ -29260,7 +29260,7 @@
           <a:xfrm>
             <a:off x="8965202" y="3165083"/>
             <a:ext cx="256014" cy="964411"/>
-            <a:chOff x="0" y="8857"/>
+            <a:chOff x="0" y="0"/>
             <a:chExt cx="256013" cy="964409"/>
           </a:xfrm>
         </p:grpSpPr>
@@ -29272,7 +29272,7 @@
           </p:nvSpPr>
           <p:spPr>
             <a:xfrm flipV="1">
-              <a:off x="10436" y="8857"/>
+              <a:off x="10436" y="0"/>
               <a:ext cx="1" cy="741687"/>
             </a:xfrm>
             <a:prstGeom prst="line">
@@ -29317,8 +29317,8 @@
           </p:nvSpPr>
           <p:spPr>
             <a:xfrm flipV="1">
-              <a:off x="250474" y="231580"/>
-              <a:ext cx="1" cy="741688"/>
+              <a:off x="250474" y="222723"/>
+              <a:ext cx="1" cy="741687"/>
             </a:xfrm>
             <a:prstGeom prst="line">
               <a:avLst/>
@@ -29362,8 +29362,8 @@
           </p:nvSpPr>
           <p:spPr>
             <a:xfrm flipH="1" flipV="1">
-              <a:off x="-1" y="8857"/>
-              <a:ext cx="245578" cy="227863"/>
+              <a:off x="-1" y="-1"/>
+              <a:ext cx="245578" cy="227864"/>
             </a:xfrm>
             <a:prstGeom prst="line">
               <a:avLst/>
@@ -29407,7 +29407,7 @@
           </p:nvSpPr>
           <p:spPr>
             <a:xfrm flipH="1" flipV="1">
-              <a:off x="10436" y="744812"/>
+              <a:off x="10436" y="735955"/>
               <a:ext cx="245578" cy="227863"/>
             </a:xfrm>
             <a:prstGeom prst="line">
@@ -30350,7 +30350,7 @@
           <a:xfrm>
             <a:off x="8965202" y="3165083"/>
             <a:ext cx="256014" cy="964411"/>
-            <a:chOff x="0" y="8857"/>
+            <a:chOff x="0" y="0"/>
             <a:chExt cx="256013" cy="964409"/>
           </a:xfrm>
         </p:grpSpPr>
@@ -30362,7 +30362,7 @@
           </p:nvSpPr>
           <p:spPr>
             <a:xfrm flipV="1">
-              <a:off x="10436" y="8857"/>
+              <a:off x="10436" y="0"/>
               <a:ext cx="1" cy="741687"/>
             </a:xfrm>
             <a:prstGeom prst="line">
@@ -30407,8 +30407,8 @@
           </p:nvSpPr>
           <p:spPr>
             <a:xfrm flipV="1">
-              <a:off x="250474" y="231580"/>
-              <a:ext cx="1" cy="741688"/>
+              <a:off x="250474" y="222723"/>
+              <a:ext cx="1" cy="741687"/>
             </a:xfrm>
             <a:prstGeom prst="line">
               <a:avLst/>
@@ -30452,8 +30452,8 @@
           </p:nvSpPr>
           <p:spPr>
             <a:xfrm flipH="1" flipV="1">
-              <a:off x="-1" y="8857"/>
-              <a:ext cx="245578" cy="227863"/>
+              <a:off x="-1" y="-1"/>
+              <a:ext cx="245578" cy="227864"/>
             </a:xfrm>
             <a:prstGeom prst="line">
               <a:avLst/>
@@ -30497,7 +30497,7 @@
           </p:nvSpPr>
           <p:spPr>
             <a:xfrm flipH="1" flipV="1">
-              <a:off x="10436" y="744812"/>
+              <a:off x="10436" y="735955"/>
               <a:ext cx="245578" cy="227863"/>
             </a:xfrm>
             <a:prstGeom prst="line">
@@ -42025,7 +42025,7 @@
         <p:spPr>
           <a:xfrm>
             <a:off x="1467587" y="1697282"/>
-            <a:ext cx="7700221" cy="221953"/>
+            <a:ext cx="7700222" cy="221953"/>
           </a:xfrm>
           <a:prstGeom prst="rect">
             <a:avLst/>
@@ -42325,7 +42325,7 @@
         <p:spPr>
           <a:xfrm>
             <a:off x="1467587" y="1697282"/>
-            <a:ext cx="7700221" cy="221953"/>
+            <a:ext cx="7700222" cy="221953"/>
           </a:xfrm>
           <a:prstGeom prst="rect">
             <a:avLst/>
@@ -42439,8 +42439,8 @@
         </p:nvSpPr>
         <p:spPr>
           <a:xfrm flipV="1">
-            <a:off x="3095924" y="2669373"/>
-            <a:ext cx="6251388" cy="1488426"/>
+            <a:off x="3095925" y="2669373"/>
+            <a:ext cx="6251387" cy="1488426"/>
           </a:xfrm>
           <a:prstGeom prst="line">
             <a:avLst/>
@@ -42815,7 +42815,7 @@
         <p:spPr>
           <a:xfrm flipV="1">
             <a:off x="6124572" y="2788447"/>
-            <a:ext cx="529286" cy="714445"/>
+            <a:ext cx="529285" cy="714445"/>
           </a:xfrm>
           <a:prstGeom prst="line">
             <a:avLst/>
@@ -42848,7 +42848,7 @@
         <p:spPr>
           <a:xfrm flipV="1">
             <a:off x="6124572" y="3205206"/>
-            <a:ext cx="529286" cy="714445"/>
+            <a:ext cx="529285" cy="714445"/>
           </a:xfrm>
           <a:prstGeom prst="line">
             <a:avLst/>
@@ -42881,7 +42881,7 @@
         <p:spPr>
           <a:xfrm flipV="1">
             <a:off x="6124572" y="3621965"/>
-            <a:ext cx="529286" cy="714445"/>
+            <a:ext cx="529285" cy="714445"/>
           </a:xfrm>
           <a:prstGeom prst="line">
             <a:avLst/>
@@ -42914,7 +42914,7 @@
         <p:spPr>
           <a:xfrm flipV="1">
             <a:off x="6124572" y="4038724"/>
-            <a:ext cx="529286" cy="714445"/>
+            <a:ext cx="529285" cy="714445"/>
           </a:xfrm>
           <a:prstGeom prst="line">
             <a:avLst/>
@@ -42947,7 +42947,7 @@
         <p:spPr>
           <a:xfrm flipV="1">
             <a:off x="6124572" y="4395946"/>
-            <a:ext cx="529286" cy="714445"/>
+            <a:ext cx="529285" cy="714445"/>
           </a:xfrm>
           <a:prstGeom prst="line">
             <a:avLst/>
@@ -43072,7 +43072,7 @@
         <p:spPr>
           <a:xfrm>
             <a:off x="1467587" y="1697282"/>
-            <a:ext cx="7700221" cy="221953"/>
+            <a:ext cx="7700222" cy="221953"/>
           </a:xfrm>
           <a:prstGeom prst="rect">
             <a:avLst/>
@@ -43770,7 +43770,7 @@
           <p:spPr>
             <a:xfrm flipV="1">
               <a:off x="1930190" y="1433353"/>
-              <a:ext cx="318524" cy="429859"/>
+              <a:ext cx="318524" cy="429858"/>
             </a:xfrm>
             <a:prstGeom prst="line">
               <a:avLst/>
@@ -43888,7 +43888,7 @@
         <p:spPr>
           <a:xfrm flipH="1">
             <a:off x="3340622" y="2967058"/>
-            <a:ext cx="2494007" cy="309891"/>
+            <a:ext cx="2494006" cy="309891"/>
           </a:xfrm>
           <a:prstGeom prst="line">
             <a:avLst/>
@@ -43965,7 +43965,7 @@
         <p:spPr>
           <a:xfrm>
             <a:off x="6005796" y="3157278"/>
-            <a:ext cx="2964349" cy="520215"/>
+            <a:ext cx="2964349" cy="520216"/>
           </a:xfrm>
           <a:prstGeom prst="rect">
             <a:avLst/>
@@ -44000,7 +44000,7 @@
                 </m:oMathParaPr>
                 <m:oMath>
                   <m:r>
-                    <a:rPr xmlns:a="http://schemas.openxmlformats.org/drawingml/2006/main" sz="1300" i="1">
+                    <a:rPr xmlns:a="http://schemas.openxmlformats.org/drawingml/2006/main" sz="1350" i="1">
                       <a:solidFill>
                         <a:srgbClr val="000000"/>
                       </a:solidFill>
@@ -44011,7 +44011,7 @@
                   <m:d>
                     <m:dPr>
                       <m:ctrlPr>
-                        <a:rPr xmlns:a="http://schemas.openxmlformats.org/drawingml/2006/main" sz="1300" i="1">
+                        <a:rPr xmlns:a="http://schemas.openxmlformats.org/drawingml/2006/main" sz="1350" i="1">
                           <a:solidFill>
                             <a:srgbClr val="000000"/>
                           </a:solidFill>
@@ -44021,7 +44021,7 @@
                     </m:dPr>
                     <m:e>
                       <m:r>
-                        <a:rPr xmlns:a="http://schemas.openxmlformats.org/drawingml/2006/main" sz="1300" i="1">
+                        <a:rPr xmlns:a="http://schemas.openxmlformats.org/drawingml/2006/main" sz="1350" i="1">
                           <a:solidFill>
                             <a:srgbClr val="000000"/>
                           </a:solidFill>
@@ -44030,7 +44030,7 @@
                         <m:t>i</m:t>
                       </m:r>
                       <m:r>
-                        <a:rPr xmlns:a="http://schemas.openxmlformats.org/drawingml/2006/main" sz="1300" i="1">
+                        <a:rPr xmlns:a="http://schemas.openxmlformats.org/drawingml/2006/main" sz="1350" i="1">
                           <a:solidFill>
                             <a:srgbClr val="000000"/>
                           </a:solidFill>
@@ -44039,7 +44039,7 @@
                         <m:t>,</m:t>
                       </m:r>
                       <m:r>
-                        <a:rPr xmlns:a="http://schemas.openxmlformats.org/drawingml/2006/main" sz="1300" i="1">
+                        <a:rPr xmlns:a="http://schemas.openxmlformats.org/drawingml/2006/main" sz="1350" i="1">
                           <a:solidFill>
                             <a:srgbClr val="000000"/>
                           </a:solidFill>
@@ -44050,7 +44050,7 @@
                     </m:e>
                   </m:d>
                   <m:r>
-                    <a:rPr xmlns:a="http://schemas.openxmlformats.org/drawingml/2006/main" sz="1300" i="1">
+                    <a:rPr xmlns:a="http://schemas.openxmlformats.org/drawingml/2006/main" sz="1350" i="1">
                       <a:solidFill>
                         <a:srgbClr val="000000"/>
                       </a:solidFill>
@@ -44061,7 +44061,7 @@
                   <m:nary>
                     <m:naryPr>
                       <m:ctrlPr>
-                        <a:rPr xmlns:a="http://schemas.openxmlformats.org/drawingml/2006/main" sz="1300" i="1">
+                        <a:rPr xmlns:a="http://schemas.openxmlformats.org/drawingml/2006/main" sz="1350" i="1">
                           <a:solidFill>
                             <a:srgbClr val="000000"/>
                           </a:solidFill>
@@ -44078,7 +44078,7 @@
                       <m:sSub>
                         <m:e>
                           <m:r>
-                            <a:rPr xmlns:a="http://schemas.openxmlformats.org/drawingml/2006/main" sz="1300" i="1">
+                            <a:rPr xmlns:a="http://schemas.openxmlformats.org/drawingml/2006/main" sz="1350" i="1">
                               <a:solidFill>
                                 <a:srgbClr val="000000"/>
                               </a:solidFill>
@@ -44089,7 +44089,7 @@
                         </m:e>
                         <m:sub>
                           <m:r>
-                            <a:rPr xmlns:a="http://schemas.openxmlformats.org/drawingml/2006/main" sz="1300" i="1">
+                            <a:rPr xmlns:a="http://schemas.openxmlformats.org/drawingml/2006/main" sz="1350" i="1">
                               <a:solidFill>
                                 <a:srgbClr val="000000"/>
                               </a:solidFill>
@@ -44100,7 +44100,7 @@
                         </m:sub>
                       </m:sSub>
                       <m:r>
-                        <a:rPr xmlns:a="http://schemas.openxmlformats.org/drawingml/2006/main" sz="1300" i="1">
+                        <a:rPr xmlns:a="http://schemas.openxmlformats.org/drawingml/2006/main" sz="1350" i="1">
                           <a:solidFill>
                             <a:srgbClr val="000000"/>
                           </a:solidFill>
@@ -44111,7 +44111,7 @@
                       <m:sSub>
                         <m:e>
                           <m:r>
-                            <a:rPr xmlns:a="http://schemas.openxmlformats.org/drawingml/2006/main" sz="1300" i="1">
+                            <a:rPr xmlns:a="http://schemas.openxmlformats.org/drawingml/2006/main" sz="1350" i="1">
                               <a:solidFill>
                                 <a:srgbClr val="000000"/>
                               </a:solidFill>
@@ -44122,7 +44122,7 @@
                         </m:e>
                         <m:sub>
                           <m:r>
-                            <a:rPr xmlns:a="http://schemas.openxmlformats.org/drawingml/2006/main" sz="1300" i="1">
+                            <a:rPr xmlns:a="http://schemas.openxmlformats.org/drawingml/2006/main" sz="1350" i="1">
                               <a:solidFill>
                                 <a:srgbClr val="000000"/>
                               </a:solidFill>
@@ -44133,7 +44133,7 @@
                         </m:sub>
                       </m:sSub>
                       <m:r>
-                        <a:rPr xmlns:a="http://schemas.openxmlformats.org/drawingml/2006/main" sz="1300" i="1">
+                        <a:rPr xmlns:a="http://schemas.openxmlformats.org/drawingml/2006/main" sz="1350" i="1">
                           <a:solidFill>
                             <a:srgbClr val="000000"/>
                           </a:solidFill>
@@ -44142,7 +44142,7 @@
                         <m:t>∈</m:t>
                       </m:r>
                       <m:r>
-                        <a:rPr xmlns:a="http://schemas.openxmlformats.org/drawingml/2006/main" sz="1300" i="1">
+                        <a:rPr xmlns:a="http://schemas.openxmlformats.org/drawingml/2006/main" sz="1350" i="1">
                           <a:solidFill>
                             <a:srgbClr val="000000"/>
                           </a:solidFill>
@@ -44151,7 +44151,7 @@
                         <m:t>p</m:t>
                       </m:r>
                       <m:r>
-                        <a:rPr xmlns:a="http://schemas.openxmlformats.org/drawingml/2006/main" sz="1300" i="1">
+                        <a:rPr xmlns:a="http://schemas.openxmlformats.org/drawingml/2006/main" sz="1350" i="1">
                           <a:solidFill>
                             <a:srgbClr val="000000"/>
                           </a:solidFill>
@@ -44160,7 +44160,7 @@
                         <m:t>i</m:t>
                       </m:r>
                       <m:r>
-                        <a:rPr xmlns:a="http://schemas.openxmlformats.org/drawingml/2006/main" sz="1300" i="1">
+                        <a:rPr xmlns:a="http://schemas.openxmlformats.org/drawingml/2006/main" sz="1350" i="1">
                           <a:solidFill>
                             <a:srgbClr val="000000"/>
                           </a:solidFill>
@@ -44169,7 +44169,7 @@
                         <m:t>x</m:t>
                       </m:r>
                       <m:r>
-                        <a:rPr xmlns:a="http://schemas.openxmlformats.org/drawingml/2006/main" sz="1300" i="1">
+                        <a:rPr xmlns:a="http://schemas.openxmlformats.org/drawingml/2006/main" sz="1350" i="1">
                           <a:solidFill>
                             <a:srgbClr val="000000"/>
                           </a:solidFill>
@@ -44178,7 +44178,7 @@
                         <m:t>e</m:t>
                       </m:r>
                       <m:r>
-                        <a:rPr xmlns:a="http://schemas.openxmlformats.org/drawingml/2006/main" sz="1300" i="1">
+                        <a:rPr xmlns:a="http://schemas.openxmlformats.org/drawingml/2006/main" sz="1350" i="1">
                           <a:solidFill>
                             <a:srgbClr val="000000"/>
                           </a:solidFill>
@@ -44189,7 +44189,7 @@
                       <m:d>
                         <m:dPr>
                           <m:ctrlPr>
-                            <a:rPr xmlns:a="http://schemas.openxmlformats.org/drawingml/2006/main" sz="1300" i="1">
+                            <a:rPr xmlns:a="http://schemas.openxmlformats.org/drawingml/2006/main" sz="1350" i="1">
                               <a:solidFill>
                                 <a:srgbClr val="000000"/>
                               </a:solidFill>
@@ -44199,7 +44199,7 @@
                         </m:dPr>
                         <m:e>
                           <m:r>
-                            <a:rPr xmlns:a="http://schemas.openxmlformats.org/drawingml/2006/main" sz="1300" i="1">
+                            <a:rPr xmlns:a="http://schemas.openxmlformats.org/drawingml/2006/main" sz="1350" i="1">
                               <a:solidFill>
                                 <a:srgbClr val="000000"/>
                               </a:solidFill>
@@ -44208,7 +44208,7 @@
                             <m:t>i</m:t>
                           </m:r>
                           <m:r>
-                            <a:rPr xmlns:a="http://schemas.openxmlformats.org/drawingml/2006/main" sz="1300" i="1">
+                            <a:rPr xmlns:a="http://schemas.openxmlformats.org/drawingml/2006/main" sz="1350" i="1">
                               <a:solidFill>
                                 <a:srgbClr val="000000"/>
                               </a:solidFill>
@@ -44217,7 +44217,7 @@
                             <m:t>,</m:t>
                           </m:r>
                           <m:r>
-                            <a:rPr xmlns:a="http://schemas.openxmlformats.org/drawingml/2006/main" sz="1300" i="1">
+                            <a:rPr xmlns:a="http://schemas.openxmlformats.org/drawingml/2006/main" sz="1350" i="1">
                               <a:solidFill>
                                 <a:srgbClr val="000000"/>
                               </a:solidFill>
@@ -44233,7 +44233,7 @@
                       <m:sSub>
                         <m:e>
                           <m:r>
-                            <a:rPr xmlns:a="http://schemas.openxmlformats.org/drawingml/2006/main" sz="1300" i="1">
+                            <a:rPr xmlns:a="http://schemas.openxmlformats.org/drawingml/2006/main" sz="1350" i="1">
                               <a:solidFill>
                                 <a:srgbClr val="000000"/>
                               </a:solidFill>
@@ -44244,7 +44244,7 @@
                         </m:e>
                         <m:sub>
                           <m:r>
-                            <a:rPr xmlns:a="http://schemas.openxmlformats.org/drawingml/2006/main" sz="1300" i="1">
+                            <a:rPr xmlns:a="http://schemas.openxmlformats.org/drawingml/2006/main" sz="1350" i="1">
                               <a:solidFill>
                                 <a:srgbClr val="000000"/>
                               </a:solidFill>
@@ -44257,7 +44257,7 @@
                     </m:e>
                   </m:nary>
                   <m:r>
-                    <a:rPr xmlns:a="http://schemas.openxmlformats.org/drawingml/2006/main" sz="1300" i="1">
+                    <a:rPr xmlns:a="http://schemas.openxmlformats.org/drawingml/2006/main" sz="1350" i="1">
                       <a:solidFill>
                         <a:srgbClr val="000000"/>
                       </a:solidFill>
@@ -44266,7 +44266,7 @@
                     <m:t>;</m:t>
                   </m:r>
                   <m:r>
-                    <a:rPr xmlns:a="http://schemas.openxmlformats.org/drawingml/2006/main" sz="1300" i="1">
+                    <a:rPr xmlns:a="http://schemas.openxmlformats.org/drawingml/2006/main" sz="1350" i="1">
                       <a:solidFill>
                         <a:srgbClr val="000000"/>
                       </a:solidFill>
@@ -44275,7 +44275,7 @@
                     <m:t>k</m:t>
                   </m:r>
                   <m:r>
-                    <a:rPr xmlns:a="http://schemas.openxmlformats.org/drawingml/2006/main" sz="1300" i="1">
+                    <a:rPr xmlns:a="http://schemas.openxmlformats.org/drawingml/2006/main" sz="1350" i="1">
                       <a:solidFill>
                         <a:srgbClr val="000000"/>
                       </a:solidFill>
@@ -44284,7 +44284,7 @@
                     <m:t>=</m:t>
                   </m:r>
                   <m:r>
-                    <a:rPr xmlns:a="http://schemas.openxmlformats.org/drawingml/2006/main" sz="1300" i="1">
+                    <a:rPr xmlns:a="http://schemas.openxmlformats.org/drawingml/2006/main" sz="1350" i="1">
                       <a:solidFill>
                         <a:srgbClr val="000000"/>
                       </a:solidFill>
@@ -44293,7 +44293,7 @@
                     <m:t>r</m:t>
                   </m:r>
                   <m:r>
-                    <a:rPr xmlns:a="http://schemas.openxmlformats.org/drawingml/2006/main" sz="1300" i="1">
+                    <a:rPr xmlns:a="http://schemas.openxmlformats.org/drawingml/2006/main" sz="1350" i="1">
                       <a:solidFill>
                         <a:srgbClr val="000000"/>
                       </a:solidFill>
@@ -44302,7 +44302,7 @@
                     <m:t>a</m:t>
                   </m:r>
                   <m:r>
-                    <a:rPr xmlns:a="http://schemas.openxmlformats.org/drawingml/2006/main" sz="1300" i="1">
+                    <a:rPr xmlns:a="http://schemas.openxmlformats.org/drawingml/2006/main" sz="1350" i="1">
                       <a:solidFill>
                         <a:srgbClr val="000000"/>
                       </a:solidFill>
@@ -44311,7 +44311,7 @@
                     <m:t>y</m:t>
                   </m:r>
                   <m:r>
-                    <a:rPr xmlns:a="http://schemas.openxmlformats.org/drawingml/2006/main" sz="1300" i="1">
+                    <a:rPr xmlns:a="http://schemas.openxmlformats.org/drawingml/2006/main" sz="1350" i="1">
                       <a:solidFill>
                         <a:srgbClr val="000000"/>
                       </a:solidFill>
@@ -44320,7 +44320,7 @@
                     <m:t>n</m:t>
                   </m:r>
                   <m:r>
-                    <a:rPr xmlns:a="http://schemas.openxmlformats.org/drawingml/2006/main" sz="1300" i="1">
+                    <a:rPr xmlns:a="http://schemas.openxmlformats.org/drawingml/2006/main" sz="1350" i="1">
                       <a:solidFill>
                         <a:srgbClr val="000000"/>
                       </a:solidFill>
@@ -44329,7 +44329,7 @@
                     <m:t>u</m:t>
                   </m:r>
                   <m:r>
-                    <a:rPr xmlns:a="http://schemas.openxmlformats.org/drawingml/2006/main" sz="1300" i="1">
+                    <a:rPr xmlns:a="http://schemas.openxmlformats.org/drawingml/2006/main" sz="1350" i="1">
                       <a:solidFill>
                         <a:srgbClr val="000000"/>
                       </a:solidFill>
@@ -44338,7 +44338,7 @@
                     <m:t>m</m:t>
                   </m:r>
                   <m:r>
-                    <a:rPr xmlns:a="http://schemas.openxmlformats.org/drawingml/2006/main" sz="1300" i="1">
+                    <a:rPr xmlns:a="http://schemas.openxmlformats.org/drawingml/2006/main" sz="1350" i="1">
                       <a:solidFill>
                         <a:srgbClr val="000000"/>
                       </a:solidFill>
@@ -44347,7 +44347,7 @@
                     <m:t>b</m:t>
                   </m:r>
                   <m:r>
-                    <a:rPr xmlns:a="http://schemas.openxmlformats.org/drawingml/2006/main" sz="1300" i="1">
+                    <a:rPr xmlns:a="http://schemas.openxmlformats.org/drawingml/2006/main" sz="1350" i="1">
                       <a:solidFill>
                         <a:srgbClr val="000000"/>
                       </a:solidFill>
@@ -44356,7 +44356,7 @@
                     <m:t>e</m:t>
                   </m:r>
                   <m:r>
-                    <a:rPr xmlns:a="http://schemas.openxmlformats.org/drawingml/2006/main" sz="1300" i="1">
+                    <a:rPr xmlns:a="http://schemas.openxmlformats.org/drawingml/2006/main" sz="1350" i="1">
                       <a:solidFill>
                         <a:srgbClr val="000000"/>
                       </a:solidFill>
@@ -44365,7 +44365,7 @@
                     <m:t>r</m:t>
                   </m:r>
                   <m:r>
-                    <a:rPr xmlns:a="http://schemas.openxmlformats.org/drawingml/2006/main" sz="1300" i="1">
+                    <a:rPr xmlns:a="http://schemas.openxmlformats.org/drawingml/2006/main" sz="1350" i="1">
                       <a:solidFill>
                         <a:srgbClr val="000000"/>
                       </a:solidFill>
@@ -44388,7 +44388,7 @@
         <p:spPr>
           <a:xfrm>
             <a:off x="5990912" y="3919650"/>
-            <a:ext cx="2902431" cy="753575"/>
+            <a:ext cx="2902431" cy="753574"/>
           </a:xfrm>
           <a:prstGeom prst="rect">
             <a:avLst/>
@@ -44457,7 +44457,7 @@
         <p:spPr>
           <a:xfrm>
             <a:off x="1467587" y="1654336"/>
-            <a:ext cx="7700221" cy="450553"/>
+            <a:ext cx="7700222" cy="450553"/>
           </a:xfrm>
           <a:prstGeom prst="rect">
             <a:avLst/>
@@ -44501,8 +44501,8 @@
         </p:nvGrpSpPr>
         <p:grpSpPr>
           <a:xfrm>
-            <a:off x="1190740" y="2507730"/>
-            <a:ext cx="2262408" cy="1277963"/>
+            <a:off x="1190740" y="2507729"/>
+            <a:ext cx="2262408" cy="1277964"/>
             <a:chOff x="0" y="0"/>
             <a:chExt cx="2262406" cy="1277962"/>
           </a:xfrm>
@@ -45196,7 +45196,7 @@
           <p:spPr>
             <a:xfrm>
               <a:off x="1183595" y="101808"/>
-              <a:ext cx="20840" cy="1176155"/>
+              <a:ext cx="20839" cy="1176155"/>
             </a:xfrm>
             <a:prstGeom prst="line">
               <a:avLst/>
@@ -45796,7 +45796,7 @@
         <p:spPr>
           <a:xfrm>
             <a:off x="2309231" y="145557"/>
-            <a:ext cx="7700221" cy="456606"/>
+            <a:ext cx="7700222" cy="456606"/>
           </a:xfrm>
           <a:prstGeom prst="rect">
             <a:avLst/>
@@ -46605,7 +46605,7 @@
           <p:spPr>
             <a:xfrm>
               <a:off x="1183595" y="101808"/>
-              <a:ext cx="20840" cy="1176155"/>
+              <a:ext cx="20839" cy="1176155"/>
             </a:xfrm>
             <a:prstGeom prst="line">
               <a:avLst/>
@@ -46710,7 +46710,7 @@
         <p:spPr>
           <a:xfrm>
             <a:off x="1467587" y="2353826"/>
-            <a:ext cx="7700221" cy="2530594"/>
+            <a:ext cx="7700222" cy="2530594"/>
           </a:xfrm>
           <a:prstGeom prst="rect">
             <a:avLst/>
@@ -46730,15 +46730,12 @@
           </a:bodyPr>
           <a:lstStyle/>
           <a:p>
-            <a:pPr marL="176040" indent="-175679" defTabSz="1007533">
+            <a:pPr marL="160421" indent="-160421" defTabSz="1007533">
               <a:spcBef>
                 <a:spcPts val="400"/>
               </a:spcBef>
-              <a:buClr>
-                <a:srgbClr val="000000"/>
-              </a:buClr>
               <a:buSzPct val="100000"/>
-              <a:buChar char=""/>
+              <a:buChar char="•"/>
               <a:defRPr spc="0" sz="1600">
                 <a:latin typeface="Verdana"/>
                 <a:ea typeface="Verdana"/>
@@ -46814,15 +46811,12 @@
             </a:pPr>
           </a:p>
           <a:p>
-            <a:pPr marL="176040" indent="-175679" defTabSz="1007533">
+            <a:pPr marL="160421" indent="-160421" defTabSz="1007533">
               <a:spcBef>
                 <a:spcPts val="400"/>
               </a:spcBef>
-              <a:buClr>
-                <a:srgbClr val="000000"/>
-              </a:buClr>
               <a:buSzPct val="100000"/>
-              <a:buChar char=""/>
+              <a:buChar char="•"/>
               <a:defRPr spc="0" sz="1600">
                 <a:latin typeface="Verdana"/>
                 <a:ea typeface="Verdana"/>
@@ -46891,8 +46885,8 @@
         </p:nvSpPr>
         <p:spPr>
           <a:xfrm>
-            <a:off x="2953929" y="3162934"/>
-            <a:ext cx="1901018" cy="134257"/>
+            <a:off x="2953928" y="3162934"/>
+            <a:ext cx="1901019" cy="134257"/>
           </a:xfrm>
           <a:prstGeom prst="rect">
             <a:avLst/>
@@ -46927,8 +46921,8 @@
         </p:nvSpPr>
         <p:spPr>
           <a:xfrm>
-            <a:off x="2953929" y="3163530"/>
-            <a:ext cx="114907" cy="133066"/>
+            <a:off x="2953928" y="3163530"/>
+            <a:ext cx="114908" cy="133066"/>
           </a:xfrm>
           <a:prstGeom prst="rect">
             <a:avLst/>
@@ -47071,8 +47065,8 @@
         </p:nvSpPr>
         <p:spPr>
           <a:xfrm>
-            <a:off x="4635552" y="3163530"/>
-            <a:ext cx="114907" cy="133066"/>
+            <a:off x="4635551" y="3163530"/>
+            <a:ext cx="114908" cy="133066"/>
           </a:xfrm>
           <a:prstGeom prst="rect">
             <a:avLst/>
@@ -47143,7 +47137,7 @@
         </p:nvSpPr>
         <p:spPr>
           <a:xfrm>
-            <a:off x="4188727" y="3092681"/>
+            <a:off x="4188726" y="3092681"/>
             <a:ext cx="190374" cy="197384"/>
           </a:xfrm>
           <a:prstGeom prst="rect">
@@ -47229,8 +47223,8 @@
         </p:nvSpPr>
         <p:spPr>
           <a:xfrm>
-            <a:off x="3917237" y="3426386"/>
-            <a:ext cx="1755153" cy="259585"/>
+            <a:off x="3917238" y="3426386"/>
+            <a:ext cx="1755152" cy="259585"/>
           </a:xfrm>
           <a:custGeom>
             <a:avLst/>
@@ -47651,7 +47645,7 @@
         <p:spPr>
           <a:xfrm>
             <a:off x="1468480" y="2252613"/>
-            <a:ext cx="7700221" cy="2530594"/>
+            <a:ext cx="7700222" cy="2530594"/>
           </a:xfrm>
           <a:prstGeom prst="rect">
             <a:avLst/>
@@ -47789,8 +47783,8 @@
         </p:nvSpPr>
         <p:spPr>
           <a:xfrm>
-            <a:off x="1467587" y="2099306"/>
-            <a:ext cx="7700221" cy="456605"/>
+            <a:off x="1467587" y="2099305"/>
+            <a:ext cx="7700222" cy="456606"/>
           </a:xfrm>
           <a:prstGeom prst="rect">
             <a:avLst/>
@@ -47832,8 +47826,8 @@
         </p:nvSpPr>
         <p:spPr>
           <a:xfrm>
-            <a:off x="2953929" y="3162934"/>
-            <a:ext cx="1901018" cy="134257"/>
+            <a:off x="2953928" y="3162934"/>
+            <a:ext cx="1901019" cy="134257"/>
           </a:xfrm>
           <a:prstGeom prst="rect">
             <a:avLst/>
@@ -47868,8 +47862,8 @@
         </p:nvSpPr>
         <p:spPr>
           <a:xfrm>
-            <a:off x="2953929" y="3163530"/>
-            <a:ext cx="114907" cy="133066"/>
+            <a:off x="2953928" y="3163530"/>
+            <a:ext cx="114908" cy="133066"/>
           </a:xfrm>
           <a:prstGeom prst="rect">
             <a:avLst/>
@@ -48012,8 +48006,8 @@
         </p:nvSpPr>
         <p:spPr>
           <a:xfrm>
-            <a:off x="4635552" y="3163530"/>
-            <a:ext cx="114907" cy="133066"/>
+            <a:off x="4635551" y="3163530"/>
+            <a:ext cx="114908" cy="133066"/>
           </a:xfrm>
           <a:prstGeom prst="rect">
             <a:avLst/>
@@ -48084,7 +48078,7 @@
         </p:nvSpPr>
         <p:spPr>
           <a:xfrm>
-            <a:off x="4188727" y="3092681"/>
+            <a:off x="4188726" y="3092681"/>
             <a:ext cx="190374" cy="197384"/>
           </a:xfrm>
           <a:prstGeom prst="rect">
@@ -48170,8 +48164,8 @@
         </p:nvSpPr>
         <p:spPr>
           <a:xfrm>
-            <a:off x="3917237" y="3426386"/>
-            <a:ext cx="1755153" cy="259585"/>
+            <a:off x="3917238" y="3426386"/>
+            <a:ext cx="1755152" cy="259585"/>
           </a:xfrm>
           <a:custGeom>
             <a:avLst/>
@@ -48715,7 +48709,7 @@
         <p:spPr>
           <a:xfrm>
             <a:off x="1473243" y="2099603"/>
-            <a:ext cx="7700221" cy="456606"/>
+            <a:ext cx="7700222" cy="456606"/>
           </a:xfrm>
           <a:prstGeom prst="rect">
             <a:avLst/>
@@ -48786,8 +48780,8 @@
         </p:nvSpPr>
         <p:spPr>
           <a:xfrm>
-            <a:off x="3719575" y="1895689"/>
-            <a:ext cx="6382071" cy="893056"/>
+            <a:off x="3719574" y="1895689"/>
+            <a:ext cx="6382072" cy="893056"/>
           </a:xfrm>
           <a:prstGeom prst="ellipse">
             <a:avLst/>
@@ -48914,7 +48908,7 @@
         <p:spPr>
           <a:xfrm>
             <a:off x="4125319" y="4455781"/>
-            <a:ext cx="3404328" cy="296374"/>
+            <a:ext cx="3404328" cy="296375"/>
           </a:xfrm>
           <a:prstGeom prst="rect">
             <a:avLst/>
@@ -49263,7 +49257,7 @@
         <p:spPr>
           <a:xfrm>
             <a:off x="1468480" y="2252613"/>
-            <a:ext cx="7700221" cy="2530594"/>
+            <a:ext cx="7700222" cy="2530594"/>
           </a:xfrm>
           <a:prstGeom prst="rect">
             <a:avLst/>
@@ -49401,8 +49395,8 @@
         </p:nvSpPr>
         <p:spPr>
           <a:xfrm>
-            <a:off x="1467587" y="2099306"/>
-            <a:ext cx="7700221" cy="456605"/>
+            <a:off x="1467587" y="2099305"/>
+            <a:ext cx="7700222" cy="456606"/>
           </a:xfrm>
           <a:prstGeom prst="rect">
             <a:avLst/>
@@ -49444,8 +49438,8 @@
         </p:nvSpPr>
         <p:spPr>
           <a:xfrm>
-            <a:off x="2953929" y="3162934"/>
-            <a:ext cx="1901018" cy="134257"/>
+            <a:off x="2953928" y="3162934"/>
+            <a:ext cx="1901019" cy="134257"/>
           </a:xfrm>
           <a:prstGeom prst="rect">
             <a:avLst/>
@@ -49480,8 +49474,8 @@
         </p:nvSpPr>
         <p:spPr>
           <a:xfrm>
-            <a:off x="2953929" y="3163530"/>
-            <a:ext cx="114907" cy="133066"/>
+            <a:off x="2953928" y="3163530"/>
+            <a:ext cx="114908" cy="133066"/>
           </a:xfrm>
           <a:prstGeom prst="rect">
             <a:avLst/>
@@ -49624,8 +49618,8 @@
         </p:nvSpPr>
         <p:spPr>
           <a:xfrm>
-            <a:off x="4635552" y="3163530"/>
-            <a:ext cx="114907" cy="133066"/>
+            <a:off x="4635551" y="3163530"/>
+            <a:ext cx="114908" cy="133066"/>
           </a:xfrm>
           <a:prstGeom prst="rect">
             <a:avLst/>
@@ -49696,7 +49690,7 @@
         </p:nvSpPr>
         <p:spPr>
           <a:xfrm>
-            <a:off x="4188727" y="3092681"/>
+            <a:off x="4188726" y="3092681"/>
             <a:ext cx="190374" cy="197384"/>
           </a:xfrm>
           <a:prstGeom prst="rect">
@@ -49782,8 +49776,8 @@
         </p:nvSpPr>
         <p:spPr>
           <a:xfrm>
-            <a:off x="3917237" y="3426386"/>
-            <a:ext cx="1755153" cy="259585"/>
+            <a:off x="3917238" y="3426386"/>
+            <a:ext cx="1755152" cy="259585"/>
           </a:xfrm>
           <a:custGeom>
             <a:avLst/>
@@ -50327,7 +50321,7 @@
         <p:spPr>
           <a:xfrm>
             <a:off x="1473243" y="2099603"/>
-            <a:ext cx="7700221" cy="456606"/>
+            <a:ext cx="7700222" cy="456606"/>
           </a:xfrm>
           <a:prstGeom prst="rect">
             <a:avLst/>
@@ -50398,8 +50392,8 @@
         </p:nvSpPr>
         <p:spPr>
           <a:xfrm>
-            <a:off x="3719575" y="1895689"/>
-            <a:ext cx="6382071" cy="893056"/>
+            <a:off x="3719574" y="1895689"/>
+            <a:ext cx="6382072" cy="893056"/>
           </a:xfrm>
           <a:prstGeom prst="ellipse">
             <a:avLst/>
@@ -50526,7 +50520,7 @@
         <p:spPr>
           <a:xfrm>
             <a:off x="4125319" y="4455781"/>
-            <a:ext cx="3404328" cy="296374"/>
+            <a:ext cx="3404328" cy="296375"/>
           </a:xfrm>
           <a:prstGeom prst="rect">
             <a:avLst/>
@@ -50848,8 +50842,8 @@
         </p:nvSpPr>
         <p:spPr>
           <a:xfrm>
-            <a:off x="1347024" y="5348538"/>
-            <a:ext cx="5700671" cy="296375"/>
+            <a:off x="1347024" y="5348539"/>
+            <a:ext cx="5700671" cy="296374"/>
           </a:xfrm>
           <a:prstGeom prst="rect">
             <a:avLst/>
@@ -51471,8 +51465,8 @@
         </p:nvSpPr>
         <p:spPr>
           <a:xfrm>
-            <a:off x="1467587" y="2099306"/>
-            <a:ext cx="7700221" cy="456605"/>
+            <a:off x="1467587" y="2099305"/>
+            <a:ext cx="7700222" cy="456606"/>
           </a:xfrm>
           <a:prstGeom prst="rect">
             <a:avLst/>
@@ -51525,7 +51519,7 @@
         <p:spPr>
           <a:xfrm>
             <a:off x="119073" y="1070506"/>
-            <a:ext cx="9762584" cy="5290163"/>
+            <a:ext cx="9762585" cy="5290162"/>
           </a:xfrm>
           <a:prstGeom prst="rect">
             <a:avLst/>
@@ -51679,8 +51673,8 @@
         </p:nvSpPr>
         <p:spPr>
           <a:xfrm flipV="1">
-            <a:off x="7561201" y="2490762"/>
-            <a:ext cx="357223" cy="1369352"/>
+            <a:off x="7561201" y="2490761"/>
+            <a:ext cx="357223" cy="1369353"/>
           </a:xfrm>
           <a:prstGeom prst="line">
             <a:avLst/>
@@ -51713,8 +51707,8 @@
         </p:nvSpPr>
         <p:spPr>
           <a:xfrm flipV="1">
-            <a:off x="8097034" y="2431224"/>
-            <a:ext cx="535834" cy="1428890"/>
+            <a:off x="8097034" y="2431225"/>
+            <a:ext cx="535834" cy="1428889"/>
           </a:xfrm>
           <a:prstGeom prst="line">
             <a:avLst/>
@@ -51747,8 +51741,8 @@
         </p:nvSpPr>
         <p:spPr>
           <a:xfrm flipH="1" flipV="1">
-            <a:off x="5894164" y="2371687"/>
-            <a:ext cx="1428890" cy="1547964"/>
+            <a:off x="5894164" y="2371688"/>
+            <a:ext cx="1428890" cy="1547963"/>
           </a:xfrm>
           <a:prstGeom prst="line">
             <a:avLst/>
@@ -51781,8 +51775,8 @@
         </p:nvSpPr>
         <p:spPr>
           <a:xfrm flipH="1" flipV="1">
-            <a:off x="6965831" y="2371687"/>
-            <a:ext cx="952593" cy="1496464"/>
+            <a:off x="6965830" y="2371687"/>
+            <a:ext cx="952594" cy="1496464"/>
           </a:xfrm>
           <a:prstGeom prst="line">
             <a:avLst/>
@@ -51841,8 +51835,8 @@
         </p:nvSpPr>
         <p:spPr>
           <a:xfrm>
-            <a:off x="1487837" y="1883303"/>
-            <a:ext cx="7700221" cy="981461"/>
+            <a:off x="1487837" y="1883304"/>
+            <a:ext cx="7700222" cy="981460"/>
           </a:xfrm>
           <a:prstGeom prst="rect">
             <a:avLst/>
@@ -51884,10 +51878,10 @@
         </p:nvGrpSpPr>
         <p:grpSpPr>
           <a:xfrm>
-            <a:off x="2724711" y="2561313"/>
-            <a:ext cx="4961221" cy="3002155"/>
+            <a:off x="1803919" y="3041726"/>
+            <a:ext cx="6849630" cy="4144877"/>
             <a:chOff x="0" y="0"/>
-            <a:chExt cx="4961220" cy="3002154"/>
+            <a:chExt cx="6849629" cy="4144876"/>
           </a:xfrm>
         </p:grpSpPr>
         <p:pic>
@@ -51910,7 +51904,7 @@
           <p:spPr>
             <a:xfrm>
               <a:off x="0" y="0"/>
-              <a:ext cx="4961220" cy="2799729"/>
+              <a:ext cx="6849630" cy="3865401"/>
             </a:xfrm>
             <a:prstGeom prst="rect">
               <a:avLst/>
@@ -51930,8 +51924,8 @@
           </p:nvSpPr>
           <p:spPr>
             <a:xfrm>
-              <a:off x="1947455" y="401279"/>
-              <a:ext cx="1066309" cy="520355"/>
+              <a:off x="2688723" y="554020"/>
+              <a:ext cx="1472183" cy="718418"/>
             </a:xfrm>
             <a:prstGeom prst="ellipse">
               <a:avLst/>
@@ -51969,8 +51963,8 @@
           </p:nvSpPr>
           <p:spPr>
             <a:xfrm>
-              <a:off x="1947455" y="2481800"/>
-              <a:ext cx="1066309" cy="520355"/>
+              <a:off x="2688723" y="3426458"/>
+              <a:ext cx="1472183" cy="718419"/>
             </a:xfrm>
             <a:prstGeom prst="ellipse">
               <a:avLst/>
@@ -52078,10 +52072,10 @@
         </p:nvGrpSpPr>
         <p:grpSpPr>
           <a:xfrm>
-            <a:off x="2974767" y="2419913"/>
-            <a:ext cx="4756711" cy="3260248"/>
+            <a:off x="2161776" y="2990403"/>
+            <a:ext cx="6382693" cy="4374696"/>
             <a:chOff x="0" y="0"/>
-            <a:chExt cx="4756710" cy="3260247"/>
+            <a:chExt cx="6382692" cy="4374694"/>
           </a:xfrm>
         </p:grpSpPr>
         <p:pic>
@@ -52103,7 +52097,7 @@
           <p:spPr>
             <a:xfrm>
               <a:off x="0" y="0"/>
-              <a:ext cx="4756711" cy="3220656"/>
+              <a:ext cx="6382693" cy="4321570"/>
             </a:xfrm>
             <a:prstGeom prst="rect">
               <a:avLst/>
@@ -52123,8 +52117,8 @@
           </p:nvSpPr>
           <p:spPr>
             <a:xfrm>
-              <a:off x="1854578" y="2749122"/>
-              <a:ext cx="1047554" cy="511126"/>
+              <a:off x="2488526" y="3688852"/>
+              <a:ext cx="1405640" cy="685844"/>
             </a:xfrm>
             <a:prstGeom prst="ellipse">
               <a:avLst/>
@@ -52190,7 +52184,7 @@
         <p:spPr>
           <a:xfrm>
             <a:off x="1467587" y="2247141"/>
-            <a:ext cx="7700221" cy="4899849"/>
+            <a:ext cx="7700222" cy="4899850"/>
           </a:xfrm>
           <a:prstGeom prst="rect">
             <a:avLst/>
@@ -52309,7 +52303,7 @@
           <a:blip r:embed="rId2">
             <a:extLst/>
           </a:blip>
-          <a:srcRect l="39804" t="86592" r="39804" b="0"/>
+          <a:srcRect l="39803" t="86592" r="39804" b="0"/>
           <a:stretch>
             <a:fillRect/>
           </a:stretch>
@@ -52336,7 +52330,7 @@
         <p:spPr>
           <a:xfrm>
             <a:off x="1467587" y="1823947"/>
-            <a:ext cx="7700221" cy="456606"/>
+            <a:ext cx="7700222" cy="456606"/>
           </a:xfrm>
           <a:prstGeom prst="rect">
             <a:avLst/>
@@ -52388,8 +52382,8 @@
         </p:blipFill>
         <p:spPr>
           <a:xfrm>
-            <a:off x="3980621" y="4929465"/>
-            <a:ext cx="339659" cy="185756"/>
+            <a:off x="3980620" y="4929465"/>
+            <a:ext cx="339660" cy="185756"/>
           </a:xfrm>
           <a:prstGeom prst="rect">
             <a:avLst/>
@@ -52434,7 +52428,7 @@
         <p:spPr>
           <a:xfrm>
             <a:off x="1428888" y="1823947"/>
-            <a:ext cx="7700221" cy="456606"/>
+            <a:ext cx="7700222" cy="456606"/>
           </a:xfrm>
           <a:prstGeom prst="rect">
             <a:avLst/>
@@ -52723,7 +52717,7 @@
         </p:nvSpPr>
         <p:spPr>
           <a:xfrm>
-            <a:off x="6549667" y="1449519"/>
+            <a:off x="6549666" y="1449519"/>
             <a:ext cx="3655402" cy="296375"/>
           </a:xfrm>
           <a:prstGeom prst="rect">
@@ -52774,7 +52768,7 @@
         <p:spPr>
           <a:xfrm>
             <a:off x="1681134" y="2523101"/>
-            <a:ext cx="7699924" cy="1620436"/>
+            <a:ext cx="7699925" cy="1620436"/>
           </a:xfrm>
           <a:prstGeom prst="rect">
             <a:avLst/>
@@ -53101,8 +53095,8 @@
         </p:nvSpPr>
         <p:spPr>
           <a:xfrm>
-            <a:off x="1467587" y="2099306"/>
-            <a:ext cx="7700221" cy="456605"/>
+            <a:off x="1467587" y="2099305"/>
+            <a:ext cx="7700222" cy="456606"/>
           </a:xfrm>
           <a:prstGeom prst="rect">
             <a:avLst/>
@@ -53145,7 +53139,7 @@
         <p:spPr>
           <a:xfrm>
             <a:off x="1612262" y="3443354"/>
-            <a:ext cx="7317696" cy="1028898"/>
+            <a:ext cx="7317695" cy="1028897"/>
           </a:xfrm>
           <a:prstGeom prst="rect">
             <a:avLst/>
@@ -56885,9 +56879,9 @@
         <p:grpSpPr>
           <a:xfrm>
             <a:off x="6101679" y="2983382"/>
-            <a:ext cx="2163556" cy="2579306"/>
+            <a:ext cx="1095049" cy="1531259"/>
             <a:chOff x="0" y="0"/>
-            <a:chExt cx="2163554" cy="2579305"/>
+            <a:chExt cx="1095048" cy="1531257"/>
           </a:xfrm>
         </p:grpSpPr>
         <p:sp>
@@ -57250,15 +57244,15 @@
         <p:sp>
           <p:nvSpPr>
             <p:cNvPr id="539" name="x´"/>
-            <p:cNvSpPr/>
+            <p:cNvSpPr txBox="1"/>
             <p:nvPr/>
           </p:nvSpPr>
           <p:spPr>
             <a:xfrm>
               <a:off x="663960" y="372314"/>
-              <a:ext cx="1270001" cy="1270001"/>
+              <a:ext cx="181968" cy="221953"/>
             </a:xfrm>
-            <a:prstGeom prst="line">
+            <a:prstGeom prst="rect">
               <a:avLst/>
             </a:prstGeom>
             <a:noFill/>
@@ -57296,15 +57290,15 @@
         <p:sp>
           <p:nvSpPr>
             <p:cNvPr id="540" name="y´"/>
-            <p:cNvSpPr/>
+            <p:cNvSpPr txBox="1"/>
             <p:nvPr/>
           </p:nvSpPr>
           <p:spPr>
             <a:xfrm>
               <a:off x="0" y="0"/>
-              <a:ext cx="1270000" cy="1270000"/>
+              <a:ext cx="181968" cy="221953"/>
             </a:xfrm>
-            <a:prstGeom prst="line">
+            <a:prstGeom prst="rect">
               <a:avLst/>
             </a:prstGeom>
             <a:noFill/>
@@ -57342,15 +57336,15 @@
         <p:sp>
           <p:nvSpPr>
             <p:cNvPr id="541" name="z’"/>
-            <p:cNvSpPr/>
+            <p:cNvSpPr txBox="1"/>
             <p:nvPr/>
           </p:nvSpPr>
           <p:spPr>
             <a:xfrm>
               <a:off x="893554" y="1309305"/>
-              <a:ext cx="1270001" cy="1270001"/>
+              <a:ext cx="159446" cy="221953"/>
             </a:xfrm>
-            <a:prstGeom prst="line">
+            <a:prstGeom prst="rect">
               <a:avLst/>
             </a:prstGeom>
             <a:noFill/>
